--- a/Data and Analyses/Figures/PP Figures.pptx
+++ b/Data and Analyses/Figures/PP Figures.pptx
@@ -9,6 +9,7 @@
     <p:sldId id="257" r:id="rId3"/>
     <p:sldId id="258" r:id="rId4"/>
     <p:sldId id="259" r:id="rId5"/>
+    <p:sldId id="260" r:id="rId6"/>
   </p:sldIdLst>
   <p:sldSz cx="9144000" cy="6858000" type="screen4x3"/>
   <p:notesSz cx="6858000" cy="9144000"/>
@@ -291,7 +292,7 @@
           <a:p>
             <a:fld id="{DD9DF201-55BB-5E44-9CC2-DC943DD1A0EC}" type="datetimeFigureOut">
               <a:rPr lang="en-US" smtClean="0"/>
-              <a:t>5/16/17</a:t>
+              <a:t>9/19/18</a:t>
             </a:fld>
             <a:endParaRPr lang="en-US"/>
           </a:p>
@@ -461,7 +462,7 @@
           <a:p>
             <a:fld id="{DD9DF201-55BB-5E44-9CC2-DC943DD1A0EC}" type="datetimeFigureOut">
               <a:rPr lang="en-US" smtClean="0"/>
-              <a:t>5/16/17</a:t>
+              <a:t>9/19/18</a:t>
             </a:fld>
             <a:endParaRPr lang="en-US"/>
           </a:p>
@@ -641,7 +642,7 @@
           <a:p>
             <a:fld id="{DD9DF201-55BB-5E44-9CC2-DC943DD1A0EC}" type="datetimeFigureOut">
               <a:rPr lang="en-US" smtClean="0"/>
-              <a:t>5/16/17</a:t>
+              <a:t>9/19/18</a:t>
             </a:fld>
             <a:endParaRPr lang="en-US"/>
           </a:p>
@@ -811,7 +812,7 @@
           <a:p>
             <a:fld id="{DD9DF201-55BB-5E44-9CC2-DC943DD1A0EC}" type="datetimeFigureOut">
               <a:rPr lang="en-US" smtClean="0"/>
-              <a:t>5/16/17</a:t>
+              <a:t>9/19/18</a:t>
             </a:fld>
             <a:endParaRPr lang="en-US"/>
           </a:p>
@@ -1057,7 +1058,7 @@
           <a:p>
             <a:fld id="{DD9DF201-55BB-5E44-9CC2-DC943DD1A0EC}" type="datetimeFigureOut">
               <a:rPr lang="en-US" smtClean="0"/>
-              <a:t>5/16/17</a:t>
+              <a:t>9/19/18</a:t>
             </a:fld>
             <a:endParaRPr lang="en-US"/>
           </a:p>
@@ -1345,7 +1346,7 @@
           <a:p>
             <a:fld id="{DD9DF201-55BB-5E44-9CC2-DC943DD1A0EC}" type="datetimeFigureOut">
               <a:rPr lang="en-US" smtClean="0"/>
-              <a:t>5/16/17</a:t>
+              <a:t>9/19/18</a:t>
             </a:fld>
             <a:endParaRPr lang="en-US"/>
           </a:p>
@@ -1767,7 +1768,7 @@
           <a:p>
             <a:fld id="{DD9DF201-55BB-5E44-9CC2-DC943DD1A0EC}" type="datetimeFigureOut">
               <a:rPr lang="en-US" smtClean="0"/>
-              <a:t>5/16/17</a:t>
+              <a:t>9/19/18</a:t>
             </a:fld>
             <a:endParaRPr lang="en-US"/>
           </a:p>
@@ -1885,7 +1886,7 @@
           <a:p>
             <a:fld id="{DD9DF201-55BB-5E44-9CC2-DC943DD1A0EC}" type="datetimeFigureOut">
               <a:rPr lang="en-US" smtClean="0"/>
-              <a:t>5/16/17</a:t>
+              <a:t>9/19/18</a:t>
             </a:fld>
             <a:endParaRPr lang="en-US"/>
           </a:p>
@@ -1980,7 +1981,7 @@
           <a:p>
             <a:fld id="{DD9DF201-55BB-5E44-9CC2-DC943DD1A0EC}" type="datetimeFigureOut">
               <a:rPr lang="en-US" smtClean="0"/>
-              <a:t>5/16/17</a:t>
+              <a:t>9/19/18</a:t>
             </a:fld>
             <a:endParaRPr lang="en-US"/>
           </a:p>
@@ -2257,7 +2258,7 @@
           <a:p>
             <a:fld id="{DD9DF201-55BB-5E44-9CC2-DC943DD1A0EC}" type="datetimeFigureOut">
               <a:rPr lang="en-US" smtClean="0"/>
-              <a:t>5/16/17</a:t>
+              <a:t>9/19/18</a:t>
             </a:fld>
             <a:endParaRPr lang="en-US"/>
           </a:p>
@@ -2510,7 +2511,7 @@
           <a:p>
             <a:fld id="{DD9DF201-55BB-5E44-9CC2-DC943DD1A0EC}" type="datetimeFigureOut">
               <a:rPr lang="en-US" smtClean="0"/>
-              <a:t>5/16/17</a:t>
+              <a:t>9/19/18</a:t>
             </a:fld>
             <a:endParaRPr lang="en-US"/>
           </a:p>
@@ -2723,7 +2724,7 @@
           <a:p>
             <a:fld id="{DD9DF201-55BB-5E44-9CC2-DC943DD1A0EC}" type="datetimeFigureOut">
               <a:rPr lang="en-US" smtClean="0"/>
-              <a:t>5/16/17</a:t>
+              <a:t>9/19/18</a:t>
             </a:fld>
             <a:endParaRPr lang="en-US"/>
           </a:p>
@@ -3621,6 +3622,754 @@
 </p:sld>
 </file>
 
+<file path=ppt/slides/slide5.xml><?xml version="1.0" encoding="utf-8"?>
+<p:sld xmlns:a="http://schemas.openxmlformats.org/drawingml/2006/main" xmlns:r="http://schemas.openxmlformats.org/officeDocument/2006/relationships" xmlns:p="http://schemas.openxmlformats.org/presentationml/2006/main">
+  <p:cSld>
+    <p:spTree>
+      <p:nvGrpSpPr>
+        <p:cNvPr id="1" name=""/>
+        <p:cNvGrpSpPr/>
+        <p:nvPr/>
+      </p:nvGrpSpPr>
+      <p:grpSpPr>
+        <a:xfrm>
+          <a:off x="0" y="0"/>
+          <a:ext cx="0" cy="0"/>
+          <a:chOff x="0" y="0"/>
+          <a:chExt cx="0" cy="0"/>
+        </a:xfrm>
+      </p:grpSpPr>
+      <p:pic>
+        <p:nvPicPr>
+          <p:cNvPr id="3" name="Picture 2"/>
+          <p:cNvPicPr>
+            <a:picLocks noChangeAspect="1"/>
+          </p:cNvPicPr>
+          <p:nvPr/>
+        </p:nvPicPr>
+        <p:blipFill>
+          <a:blip r:embed="rId2"/>
+          <a:stretch>
+            <a:fillRect/>
+          </a:stretch>
+        </p:blipFill>
+        <p:spPr>
+          <a:xfrm>
+            <a:off x="2034398" y="0"/>
+            <a:ext cx="5930577" cy="3294765"/>
+          </a:xfrm>
+          <a:prstGeom prst="rect">
+            <a:avLst/>
+          </a:prstGeom>
+        </p:spPr>
+      </p:pic>
+      <p:pic>
+        <p:nvPicPr>
+          <p:cNvPr id="4" name="Picture 3"/>
+          <p:cNvPicPr>
+            <a:picLocks noChangeAspect="1"/>
+          </p:cNvPicPr>
+          <p:nvPr/>
+        </p:nvPicPr>
+        <p:blipFill>
+          <a:blip r:embed="rId3"/>
+          <a:stretch>
+            <a:fillRect/>
+          </a:stretch>
+        </p:blipFill>
+        <p:spPr>
+          <a:xfrm>
+            <a:off x="2034398" y="3439945"/>
+            <a:ext cx="5930577" cy="3294765"/>
+          </a:xfrm>
+          <a:prstGeom prst="rect">
+            <a:avLst/>
+          </a:prstGeom>
+        </p:spPr>
+      </p:pic>
+      <p:sp>
+        <p:nvSpPr>
+          <p:cNvPr id="5" name="TextBox 4"/>
+          <p:cNvSpPr txBox="1"/>
+          <p:nvPr/>
+        </p:nvSpPr>
+        <p:spPr>
+          <a:xfrm>
+            <a:off x="1059402" y="111381"/>
+            <a:ext cx="974996" cy="369332"/>
+          </a:xfrm>
+          <a:prstGeom prst="rect">
+            <a:avLst/>
+          </a:prstGeom>
+          <a:noFill/>
+          <a:ln>
+            <a:solidFill>
+              <a:schemeClr val="tx1"/>
+            </a:solidFill>
+          </a:ln>
+        </p:spPr>
+        <p:txBody>
+          <a:bodyPr wrap="none" rtlCol="0">
+            <a:spAutoFit/>
+          </a:bodyPr>
+          <a:lstStyle/>
+          <a:p>
+            <a:r>
+              <a:rPr lang="en-US" dirty="0" smtClean="0">
+                <a:cs typeface="Times New Roman"/>
+              </a:rPr>
+              <a:t>STUDY 1</a:t>
+            </a:r>
+            <a:endParaRPr lang="en-US" dirty="0">
+              <a:cs typeface="Times New Roman"/>
+            </a:endParaRPr>
+          </a:p>
+        </p:txBody>
+      </p:sp>
+      <p:sp>
+        <p:nvSpPr>
+          <p:cNvPr id="6" name="TextBox 5"/>
+          <p:cNvSpPr txBox="1"/>
+          <p:nvPr/>
+        </p:nvSpPr>
+        <p:spPr>
+          <a:xfrm>
+            <a:off x="1059402" y="3458996"/>
+            <a:ext cx="974996" cy="369332"/>
+          </a:xfrm>
+          <a:prstGeom prst="rect">
+            <a:avLst/>
+          </a:prstGeom>
+          <a:noFill/>
+          <a:ln>
+            <a:solidFill>
+              <a:schemeClr val="tx1"/>
+            </a:solidFill>
+          </a:ln>
+        </p:spPr>
+        <p:txBody>
+          <a:bodyPr wrap="none" rtlCol="0">
+            <a:spAutoFit/>
+          </a:bodyPr>
+          <a:lstStyle/>
+          <a:p>
+            <a:r>
+              <a:rPr lang="en-US" dirty="0" smtClean="0">
+                <a:cs typeface="Times New Roman"/>
+              </a:rPr>
+              <a:t>STUDY </a:t>
+            </a:r>
+            <a:r>
+              <a:rPr lang="en-US" dirty="0">
+                <a:cs typeface="Times New Roman"/>
+              </a:rPr>
+              <a:t>2</a:t>
+            </a:r>
+            <a:endParaRPr lang="en-US" dirty="0">
+              <a:cs typeface="Times New Roman"/>
+            </a:endParaRPr>
+          </a:p>
+        </p:txBody>
+      </p:sp>
+      <p:grpSp>
+        <p:nvGrpSpPr>
+          <p:cNvPr id="18" name="Group 17"/>
+          <p:cNvGrpSpPr/>
+          <p:nvPr/>
+        </p:nvGrpSpPr>
+        <p:grpSpPr>
+          <a:xfrm>
+            <a:off x="7295414" y="1178560"/>
+            <a:ext cx="1179025" cy="805565"/>
+            <a:chOff x="7295414" y="1178560"/>
+            <a:chExt cx="1179025" cy="805565"/>
+          </a:xfrm>
+        </p:grpSpPr>
+        <p:sp>
+          <p:nvSpPr>
+            <p:cNvPr id="17" name="Rectangle 16"/>
+            <p:cNvSpPr/>
+            <p:nvPr/>
+          </p:nvSpPr>
+          <p:spPr>
+            <a:xfrm>
+              <a:off x="7295414" y="1178560"/>
+              <a:ext cx="1179025" cy="805565"/>
+            </a:xfrm>
+            <a:prstGeom prst="rect">
+              <a:avLst/>
+            </a:prstGeom>
+          </p:spPr>
+          <p:style>
+            <a:lnRef idx="2">
+              <a:schemeClr val="dk1"/>
+            </a:lnRef>
+            <a:fillRef idx="1">
+              <a:schemeClr val="lt1"/>
+            </a:fillRef>
+            <a:effectRef idx="0">
+              <a:schemeClr val="dk1"/>
+            </a:effectRef>
+            <a:fontRef idx="minor">
+              <a:schemeClr val="dk1"/>
+            </a:fontRef>
+          </p:style>
+          <p:txBody>
+            <a:bodyPr rtlCol="0" anchor="ctr"/>
+            <a:lstStyle/>
+            <a:p>
+              <a:pPr algn="ctr"/>
+              <a:endParaRPr lang="en-US"/>
+            </a:p>
+          </p:txBody>
+        </p:sp>
+        <p:grpSp>
+          <p:nvGrpSpPr>
+            <p:cNvPr id="16" name="Group 15"/>
+            <p:cNvGrpSpPr/>
+            <p:nvPr/>
+          </p:nvGrpSpPr>
+          <p:grpSpPr>
+            <a:xfrm>
+              <a:off x="7407368" y="1290538"/>
+              <a:ext cx="1056562" cy="558232"/>
+              <a:chOff x="8076929" y="2601178"/>
+              <a:chExt cx="1056562" cy="558232"/>
+            </a:xfrm>
+          </p:grpSpPr>
+          <p:sp>
+            <p:nvSpPr>
+              <p:cNvPr id="7" name="Isosceles Triangle 6"/>
+              <p:cNvSpPr/>
+              <p:nvPr/>
+            </p:nvSpPr>
+            <p:spPr>
+              <a:xfrm>
+                <a:off x="8298180" y="2971800"/>
+                <a:ext cx="101600" cy="114300"/>
+              </a:xfrm>
+              <a:prstGeom prst="triangle">
+                <a:avLst/>
+              </a:prstGeom>
+              <a:solidFill>
+                <a:schemeClr val="tx1"/>
+              </a:solidFill>
+            </p:spPr>
+            <p:style>
+              <a:lnRef idx="2">
+                <a:schemeClr val="dk1"/>
+              </a:lnRef>
+              <a:fillRef idx="1">
+                <a:schemeClr val="lt1"/>
+              </a:fillRef>
+              <a:effectRef idx="0">
+                <a:schemeClr val="dk1"/>
+              </a:effectRef>
+              <a:fontRef idx="minor">
+                <a:schemeClr val="dk1"/>
+              </a:fontRef>
+            </p:style>
+            <p:txBody>
+              <a:bodyPr rtlCol="0" anchor="ctr"/>
+              <a:lstStyle/>
+              <a:p>
+                <a:pPr algn="ctr"/>
+                <a:endParaRPr lang="en-US"/>
+              </a:p>
+            </p:txBody>
+          </p:sp>
+          <p:cxnSp>
+            <p:nvCxnSpPr>
+              <p:cNvPr id="9" name="Straight Connector 8"/>
+              <p:cNvCxnSpPr/>
+              <p:nvPr/>
+            </p:nvCxnSpPr>
+            <p:spPr>
+              <a:xfrm>
+                <a:off x="8076929" y="3036002"/>
+                <a:ext cx="590550" cy="0"/>
+              </a:xfrm>
+              <a:prstGeom prst="line">
+                <a:avLst/>
+              </a:prstGeom>
+              <a:ln w="38100" cmpd="sng">
+                <a:prstDash val="sysDash"/>
+              </a:ln>
+            </p:spPr>
+            <p:style>
+              <a:lnRef idx="1">
+                <a:schemeClr val="dk1"/>
+              </a:lnRef>
+              <a:fillRef idx="0">
+                <a:schemeClr val="dk1"/>
+              </a:fillRef>
+              <a:effectRef idx="0">
+                <a:schemeClr val="dk1"/>
+              </a:effectRef>
+              <a:fontRef idx="minor">
+                <a:schemeClr val="tx1"/>
+              </a:fontRef>
+            </p:style>
+          </p:cxnSp>
+          <p:cxnSp>
+            <p:nvCxnSpPr>
+              <p:cNvPr id="12" name="Straight Connector 11"/>
+              <p:cNvCxnSpPr/>
+              <p:nvPr/>
+            </p:nvCxnSpPr>
+            <p:spPr>
+              <a:xfrm>
+                <a:off x="8076929" y="2775652"/>
+                <a:ext cx="590550" cy="0"/>
+              </a:xfrm>
+              <a:prstGeom prst="line">
+                <a:avLst/>
+              </a:prstGeom>
+              <a:ln w="38100" cmpd="sng">
+                <a:prstDash val="solid"/>
+              </a:ln>
+            </p:spPr>
+            <p:style>
+              <a:lnRef idx="1">
+                <a:schemeClr val="dk1"/>
+              </a:lnRef>
+              <a:fillRef idx="0">
+                <a:schemeClr val="dk1"/>
+              </a:fillRef>
+              <a:effectRef idx="0">
+                <a:schemeClr val="dk1"/>
+              </a:effectRef>
+              <a:fontRef idx="minor">
+                <a:schemeClr val="tx1"/>
+              </a:fontRef>
+            </p:style>
+          </p:cxnSp>
+          <p:sp>
+            <p:nvSpPr>
+              <p:cNvPr id="13" name="Oval 12"/>
+              <p:cNvSpPr/>
+              <p:nvPr/>
+            </p:nvSpPr>
+            <p:spPr>
+              <a:xfrm>
+                <a:off x="8305529" y="2718502"/>
+                <a:ext cx="101600" cy="114300"/>
+              </a:xfrm>
+              <a:prstGeom prst="ellipse">
+                <a:avLst/>
+              </a:prstGeom>
+            </p:spPr>
+            <p:style>
+              <a:lnRef idx="2">
+                <a:schemeClr val="dk1"/>
+              </a:lnRef>
+              <a:fillRef idx="1">
+                <a:schemeClr val="lt1"/>
+              </a:fillRef>
+              <a:effectRef idx="0">
+                <a:schemeClr val="dk1"/>
+              </a:effectRef>
+              <a:fontRef idx="minor">
+                <a:schemeClr val="dk1"/>
+              </a:fontRef>
+            </p:style>
+            <p:txBody>
+              <a:bodyPr rtlCol="0" anchor="ctr"/>
+              <a:lstStyle/>
+              <a:p>
+                <a:pPr algn="ctr"/>
+                <a:endParaRPr lang="en-US"/>
+              </a:p>
+            </p:txBody>
+          </p:sp>
+          <p:sp>
+            <p:nvSpPr>
+              <p:cNvPr id="14" name="TextBox 13"/>
+              <p:cNvSpPr txBox="1"/>
+              <p:nvPr/>
+            </p:nvSpPr>
+            <p:spPr>
+              <a:xfrm>
+                <a:off x="8653873" y="2601178"/>
+                <a:ext cx="468786" cy="307777"/>
+              </a:xfrm>
+              <a:prstGeom prst="rect">
+                <a:avLst/>
+              </a:prstGeom>
+              <a:noFill/>
+              <a:ln>
+                <a:noFill/>
+              </a:ln>
+            </p:spPr>
+            <p:txBody>
+              <a:bodyPr wrap="none" rtlCol="0">
+                <a:spAutoFit/>
+              </a:bodyPr>
+              <a:lstStyle/>
+              <a:p>
+                <a:r>
+                  <a:rPr lang="en-US" sz="1400" dirty="0" smtClean="0">
+                    <a:cs typeface="Times New Roman"/>
+                  </a:rPr>
+                  <a:t>APT</a:t>
+                </a:r>
+                <a:endParaRPr lang="en-US" sz="1400" dirty="0">
+                  <a:cs typeface="Times New Roman"/>
+                </a:endParaRPr>
+              </a:p>
+            </p:txBody>
+          </p:sp>
+          <p:sp>
+            <p:nvSpPr>
+              <p:cNvPr id="15" name="TextBox 14"/>
+              <p:cNvSpPr txBox="1"/>
+              <p:nvPr/>
+            </p:nvSpPr>
+            <p:spPr>
+              <a:xfrm>
+                <a:off x="8653873" y="2851633"/>
+                <a:ext cx="479618" cy="307777"/>
+              </a:xfrm>
+              <a:prstGeom prst="rect">
+                <a:avLst/>
+              </a:prstGeom>
+              <a:noFill/>
+              <a:ln>
+                <a:noFill/>
+              </a:ln>
+            </p:spPr>
+            <p:txBody>
+              <a:bodyPr wrap="none" rtlCol="0">
+                <a:spAutoFit/>
+              </a:bodyPr>
+              <a:lstStyle/>
+              <a:p>
+                <a:r>
+                  <a:rPr lang="en-US" sz="1400" dirty="0" smtClean="0">
+                    <a:cs typeface="Times New Roman"/>
+                  </a:rPr>
+                  <a:t>WI</a:t>
+                </a:r>
+                <a:r>
+                  <a:rPr lang="en-US" sz="1400" dirty="0" smtClean="0">
+                    <a:cs typeface="Times New Roman"/>
+                  </a:rPr>
+                  <a:t>T</a:t>
+                </a:r>
+                <a:endParaRPr lang="en-US" sz="1400" dirty="0">
+                  <a:cs typeface="Times New Roman"/>
+                </a:endParaRPr>
+              </a:p>
+            </p:txBody>
+          </p:sp>
+        </p:grpSp>
+      </p:grpSp>
+      <p:grpSp>
+        <p:nvGrpSpPr>
+          <p:cNvPr id="19" name="Group 18"/>
+          <p:cNvGrpSpPr/>
+          <p:nvPr/>
+        </p:nvGrpSpPr>
+        <p:grpSpPr>
+          <a:xfrm>
+            <a:off x="7289946" y="4658360"/>
+            <a:ext cx="1179025" cy="805565"/>
+            <a:chOff x="7295414" y="1178560"/>
+            <a:chExt cx="1179025" cy="805565"/>
+          </a:xfrm>
+        </p:grpSpPr>
+        <p:sp>
+          <p:nvSpPr>
+            <p:cNvPr id="20" name="Rectangle 19"/>
+            <p:cNvSpPr/>
+            <p:nvPr/>
+          </p:nvSpPr>
+          <p:spPr>
+            <a:xfrm>
+              <a:off x="7295414" y="1178560"/>
+              <a:ext cx="1179025" cy="805565"/>
+            </a:xfrm>
+            <a:prstGeom prst="rect">
+              <a:avLst/>
+            </a:prstGeom>
+          </p:spPr>
+          <p:style>
+            <a:lnRef idx="2">
+              <a:schemeClr val="dk1"/>
+            </a:lnRef>
+            <a:fillRef idx="1">
+              <a:schemeClr val="lt1"/>
+            </a:fillRef>
+            <a:effectRef idx="0">
+              <a:schemeClr val="dk1"/>
+            </a:effectRef>
+            <a:fontRef idx="minor">
+              <a:schemeClr val="dk1"/>
+            </a:fontRef>
+          </p:style>
+          <p:txBody>
+            <a:bodyPr rtlCol="0" anchor="ctr"/>
+            <a:lstStyle/>
+            <a:p>
+              <a:pPr algn="ctr"/>
+              <a:endParaRPr lang="en-US"/>
+            </a:p>
+          </p:txBody>
+        </p:sp>
+        <p:grpSp>
+          <p:nvGrpSpPr>
+            <p:cNvPr id="21" name="Group 20"/>
+            <p:cNvGrpSpPr/>
+            <p:nvPr/>
+          </p:nvGrpSpPr>
+          <p:grpSpPr>
+            <a:xfrm>
+              <a:off x="7407368" y="1290538"/>
+              <a:ext cx="1056562" cy="558232"/>
+              <a:chOff x="8076929" y="2601178"/>
+              <a:chExt cx="1056562" cy="558232"/>
+            </a:xfrm>
+          </p:grpSpPr>
+          <p:sp>
+            <p:nvSpPr>
+              <p:cNvPr id="22" name="Isosceles Triangle 21"/>
+              <p:cNvSpPr/>
+              <p:nvPr/>
+            </p:nvSpPr>
+            <p:spPr>
+              <a:xfrm>
+                <a:off x="8298180" y="2971800"/>
+                <a:ext cx="101600" cy="114300"/>
+              </a:xfrm>
+              <a:prstGeom prst="triangle">
+                <a:avLst/>
+              </a:prstGeom>
+              <a:solidFill>
+                <a:schemeClr val="tx1"/>
+              </a:solidFill>
+            </p:spPr>
+            <p:style>
+              <a:lnRef idx="2">
+                <a:schemeClr val="dk1"/>
+              </a:lnRef>
+              <a:fillRef idx="1">
+                <a:schemeClr val="lt1"/>
+              </a:fillRef>
+              <a:effectRef idx="0">
+                <a:schemeClr val="dk1"/>
+              </a:effectRef>
+              <a:fontRef idx="minor">
+                <a:schemeClr val="dk1"/>
+              </a:fontRef>
+            </p:style>
+            <p:txBody>
+              <a:bodyPr rtlCol="0" anchor="ctr"/>
+              <a:lstStyle/>
+              <a:p>
+                <a:pPr algn="ctr"/>
+                <a:endParaRPr lang="en-US"/>
+              </a:p>
+            </p:txBody>
+          </p:sp>
+          <p:cxnSp>
+            <p:nvCxnSpPr>
+              <p:cNvPr id="23" name="Straight Connector 22"/>
+              <p:cNvCxnSpPr/>
+              <p:nvPr/>
+            </p:nvCxnSpPr>
+            <p:spPr>
+              <a:xfrm>
+                <a:off x="8076929" y="3036002"/>
+                <a:ext cx="590550" cy="0"/>
+              </a:xfrm>
+              <a:prstGeom prst="line">
+                <a:avLst/>
+              </a:prstGeom>
+              <a:ln w="38100" cmpd="sng">
+                <a:prstDash val="sysDash"/>
+              </a:ln>
+            </p:spPr>
+            <p:style>
+              <a:lnRef idx="1">
+                <a:schemeClr val="dk1"/>
+              </a:lnRef>
+              <a:fillRef idx="0">
+                <a:schemeClr val="dk1"/>
+              </a:fillRef>
+              <a:effectRef idx="0">
+                <a:schemeClr val="dk1"/>
+              </a:effectRef>
+              <a:fontRef idx="minor">
+                <a:schemeClr val="tx1"/>
+              </a:fontRef>
+            </p:style>
+          </p:cxnSp>
+          <p:cxnSp>
+            <p:nvCxnSpPr>
+              <p:cNvPr id="24" name="Straight Connector 23"/>
+              <p:cNvCxnSpPr/>
+              <p:nvPr/>
+            </p:nvCxnSpPr>
+            <p:spPr>
+              <a:xfrm>
+                <a:off x="8076929" y="2775652"/>
+                <a:ext cx="590550" cy="0"/>
+              </a:xfrm>
+              <a:prstGeom prst="line">
+                <a:avLst/>
+              </a:prstGeom>
+              <a:ln w="38100" cmpd="sng">
+                <a:prstDash val="solid"/>
+              </a:ln>
+            </p:spPr>
+            <p:style>
+              <a:lnRef idx="1">
+                <a:schemeClr val="dk1"/>
+              </a:lnRef>
+              <a:fillRef idx="0">
+                <a:schemeClr val="dk1"/>
+              </a:fillRef>
+              <a:effectRef idx="0">
+                <a:schemeClr val="dk1"/>
+              </a:effectRef>
+              <a:fontRef idx="minor">
+                <a:schemeClr val="tx1"/>
+              </a:fontRef>
+            </p:style>
+          </p:cxnSp>
+          <p:sp>
+            <p:nvSpPr>
+              <p:cNvPr id="25" name="Oval 24"/>
+              <p:cNvSpPr/>
+              <p:nvPr/>
+            </p:nvSpPr>
+            <p:spPr>
+              <a:xfrm>
+                <a:off x="8305529" y="2718502"/>
+                <a:ext cx="101600" cy="114300"/>
+              </a:xfrm>
+              <a:prstGeom prst="ellipse">
+                <a:avLst/>
+              </a:prstGeom>
+            </p:spPr>
+            <p:style>
+              <a:lnRef idx="2">
+                <a:schemeClr val="dk1"/>
+              </a:lnRef>
+              <a:fillRef idx="1">
+                <a:schemeClr val="lt1"/>
+              </a:fillRef>
+              <a:effectRef idx="0">
+                <a:schemeClr val="dk1"/>
+              </a:effectRef>
+              <a:fontRef idx="minor">
+                <a:schemeClr val="dk1"/>
+              </a:fontRef>
+            </p:style>
+            <p:txBody>
+              <a:bodyPr rtlCol="0" anchor="ctr"/>
+              <a:lstStyle/>
+              <a:p>
+                <a:pPr algn="ctr"/>
+                <a:endParaRPr lang="en-US"/>
+              </a:p>
+            </p:txBody>
+          </p:sp>
+          <p:sp>
+            <p:nvSpPr>
+              <p:cNvPr id="26" name="TextBox 25"/>
+              <p:cNvSpPr txBox="1"/>
+              <p:nvPr/>
+            </p:nvSpPr>
+            <p:spPr>
+              <a:xfrm>
+                <a:off x="8653873" y="2601178"/>
+                <a:ext cx="468786" cy="307777"/>
+              </a:xfrm>
+              <a:prstGeom prst="rect">
+                <a:avLst/>
+              </a:prstGeom>
+              <a:noFill/>
+              <a:ln>
+                <a:noFill/>
+              </a:ln>
+            </p:spPr>
+            <p:txBody>
+              <a:bodyPr wrap="none" rtlCol="0">
+                <a:spAutoFit/>
+              </a:bodyPr>
+              <a:lstStyle/>
+              <a:p>
+                <a:r>
+                  <a:rPr lang="en-US" sz="1400" dirty="0" smtClean="0">
+                    <a:cs typeface="Times New Roman"/>
+                  </a:rPr>
+                  <a:t>APT</a:t>
+                </a:r>
+                <a:endParaRPr lang="en-US" sz="1400" dirty="0">
+                  <a:cs typeface="Times New Roman"/>
+                </a:endParaRPr>
+              </a:p>
+            </p:txBody>
+          </p:sp>
+          <p:sp>
+            <p:nvSpPr>
+              <p:cNvPr id="27" name="TextBox 26"/>
+              <p:cNvSpPr txBox="1"/>
+              <p:nvPr/>
+            </p:nvSpPr>
+            <p:spPr>
+              <a:xfrm>
+                <a:off x="8653873" y="2851633"/>
+                <a:ext cx="479618" cy="307777"/>
+              </a:xfrm>
+              <a:prstGeom prst="rect">
+                <a:avLst/>
+              </a:prstGeom>
+              <a:noFill/>
+              <a:ln>
+                <a:noFill/>
+              </a:ln>
+            </p:spPr>
+            <p:txBody>
+              <a:bodyPr wrap="none" rtlCol="0">
+                <a:spAutoFit/>
+              </a:bodyPr>
+              <a:lstStyle/>
+              <a:p>
+                <a:r>
+                  <a:rPr lang="en-US" sz="1400" dirty="0" smtClean="0">
+                    <a:cs typeface="Times New Roman"/>
+                  </a:rPr>
+                  <a:t>WI</a:t>
+                </a:r>
+                <a:r>
+                  <a:rPr lang="en-US" sz="1400" dirty="0" smtClean="0">
+                    <a:cs typeface="Times New Roman"/>
+                  </a:rPr>
+                  <a:t>T</a:t>
+                </a:r>
+                <a:endParaRPr lang="en-US" sz="1400" dirty="0">
+                  <a:cs typeface="Times New Roman"/>
+                </a:endParaRPr>
+              </a:p>
+            </p:txBody>
+          </p:sp>
+        </p:grpSp>
+      </p:grpSp>
+    </p:spTree>
+    <p:extLst>
+      <p:ext uri="{BB962C8B-B14F-4D97-AF65-F5344CB8AC3E}">
+        <p14:creationId xmlns:p14="http://schemas.microsoft.com/office/powerpoint/2010/main" val="996943292"/>
+      </p:ext>
+    </p:extLst>
+  </p:cSld>
+  <p:clrMapOvr>
+    <a:masterClrMapping/>
+  </p:clrMapOvr>
+</p:sld>
+</file>
+
 <file path=ppt/theme/theme1.xml><?xml version="1.0" encoding="utf-8"?>
 <a:theme xmlns:a="http://schemas.openxmlformats.org/drawingml/2006/main" name="Office Theme">
   <a:themeElements>
